--- a/Case Study - Data Processing and Summarization using R.pptx
+++ b/Case Study - Data Processing and Summarization using R.pptx
@@ -5971,7 +5971,7 @@
           <a:p>
             <a:r>
               <a:rPr lang="en-US" dirty="0"/>
-              <a:t>Data definition: There are 7 columns in testfilr.csv attached - Header(combination of </a:t>
+              <a:t>Data definition: There are 7 columns in Testfile.csv attached - Header(combination of </a:t>
             </a:r>
             <a:r>
               <a:rPr lang="en-US" dirty="0" err="1"/>
@@ -5998,6 +5998,69 @@
           </a:p>
         </p:txBody>
       </p:sp>
+      <p:graphicFrame>
+        <p:nvGraphicFramePr>
+          <p:cNvPr id="4" name="Object 3">
+            <a:extLst>
+              <a:ext uri="{FF2B5EF4-FFF2-40B4-BE49-F238E27FC236}">
+                <a16:creationId xmlns:a16="http://schemas.microsoft.com/office/drawing/2014/main" id="{B5BFE808-49F4-4FC5-A4D6-26F1FD6721E0}"/>
+              </a:ext>
+            </a:extLst>
+          </p:cNvPr>
+          <p:cNvGraphicFramePr>
+            <a:graphicFrameLocks noChangeAspect="1"/>
+          </p:cNvGraphicFramePr>
+          <p:nvPr>
+            <p:extLst>
+              <p:ext uri="{D42A27DB-BD31-4B8C-83A1-F6EECF244321}">
+                <p14:modId xmlns:p14="http://schemas.microsoft.com/office/powerpoint/2010/main" val="4141241363"/>
+              </p:ext>
+            </p:extLst>
+          </p:nvPr>
+        </p:nvGraphicFramePr>
+        <p:xfrm>
+          <a:off x="9793549" y="5104343"/>
+          <a:ext cx="914400" cy="771525"/>
+        </p:xfrm>
+        <a:graphic>
+          <a:graphicData uri="http://schemas.openxmlformats.org/presentationml/2006/ole">
+            <mc:AlternateContent xmlns:mc="http://schemas.openxmlformats.org/markup-compatibility/2006">
+              <mc:Choice xmlns:v="urn:schemas-microsoft-com:vml" Requires="v">
+                <p:oleObj spid="_x0000_s1026" name="Worksheet" showAsIcon="1" r:id="rId3" imgW="914400" imgH="771480" progId="Excel.Sheet.12">
+                  <p:embed/>
+                </p:oleObj>
+              </mc:Choice>
+              <mc:Fallback>
+                <p:oleObj name="Worksheet" showAsIcon="1" r:id="rId3" imgW="914400" imgH="771480" progId="Excel.Sheet.12">
+                  <p:embed/>
+                  <p:pic>
+                    <p:nvPicPr>
+                      <p:cNvPr id="0" name=""/>
+                      <p:cNvPicPr/>
+                      <p:nvPr/>
+                    </p:nvPicPr>
+                    <p:blipFill>
+                      <a:blip r:embed="rId4"/>
+                      <a:stretch>
+                        <a:fillRect/>
+                      </a:stretch>
+                    </p:blipFill>
+                    <p:spPr>
+                      <a:xfrm>
+                        <a:off x="9793549" y="5104343"/>
+                        <a:ext cx="914400" cy="771525"/>
+                      </a:xfrm>
+                      <a:prstGeom prst="rect">
+                        <a:avLst/>
+                      </a:prstGeom>
+                    </p:spPr>
+                  </p:pic>
+                </p:oleObj>
+              </mc:Fallback>
+            </mc:AlternateContent>
+          </a:graphicData>
+        </a:graphic>
+      </p:graphicFrame>
     </p:spTree>
     <p:extLst>
       <p:ext uri="{BB962C8B-B14F-4D97-AF65-F5344CB8AC3E}">
